--- a/Homework-3/TrivaiTed_Lambda.pptx
+++ b/Homework-3/TrivaiTed_Lambda.pptx
@@ -10,7 +10,7 @@
     <p:sldId id="263" r:id="rId4"/>
     <p:sldId id="264" r:id="rId5"/>
     <p:sldId id="265" r:id="rId6"/>
-    <p:sldId id="266" r:id="rId7"/>
+    <p:sldId id="267" r:id="rId7"/>
   </p:sldIdLst>
   <p:sldSz cx="12192000" cy="6858000"/>
   <p:notesSz cx="6858000" cy="9144000"/>
@@ -109,6 +109,11 @@
       </a:defRPr>
     </a:lvl9pPr>
   </p:defaultTextStyle>
+  <p:extLst>
+    <p:ext uri="{EFAFB233-063F-42B5-8137-9DF3F51BA10A}">
+      <p15:sldGuideLst xmlns:p15="http://schemas.microsoft.com/office/powerpoint/2012/main"/>
+    </p:ext>
+  </p:extLst>
 </p:presentation>
 </file>
 
@@ -259,7 +264,7 @@
           <a:p>
             <a:fld id="{6067AC06-2588-43C0-AC5E-2EAA0874515B}" type="datetimeFigureOut">
               <a:rPr lang="it-IT" smtClean="0"/>
-              <a:t>26/05/2021</a:t>
+              <a:t>01/06/2021</a:t>
             </a:fld>
             <a:endParaRPr lang="it-IT"/>
           </a:p>
@@ -457,7 +462,7 @@
           <a:p>
             <a:fld id="{6067AC06-2588-43C0-AC5E-2EAA0874515B}" type="datetimeFigureOut">
               <a:rPr lang="it-IT" smtClean="0"/>
-              <a:t>26/05/2021</a:t>
+              <a:t>01/06/2021</a:t>
             </a:fld>
             <a:endParaRPr lang="it-IT"/>
           </a:p>
@@ -665,7 +670,7 @@
           <a:p>
             <a:fld id="{6067AC06-2588-43C0-AC5E-2EAA0874515B}" type="datetimeFigureOut">
               <a:rPr lang="it-IT" smtClean="0"/>
-              <a:t>26/05/2021</a:t>
+              <a:t>01/06/2021</a:t>
             </a:fld>
             <a:endParaRPr lang="it-IT"/>
           </a:p>
@@ -863,7 +868,7 @@
           <a:p>
             <a:fld id="{6067AC06-2588-43C0-AC5E-2EAA0874515B}" type="datetimeFigureOut">
               <a:rPr lang="it-IT" smtClean="0"/>
-              <a:t>26/05/2021</a:t>
+              <a:t>01/06/2021</a:t>
             </a:fld>
             <a:endParaRPr lang="it-IT"/>
           </a:p>
@@ -1138,7 +1143,7 @@
           <a:p>
             <a:fld id="{6067AC06-2588-43C0-AC5E-2EAA0874515B}" type="datetimeFigureOut">
               <a:rPr lang="it-IT" smtClean="0"/>
-              <a:t>26/05/2021</a:t>
+              <a:t>01/06/2021</a:t>
             </a:fld>
             <a:endParaRPr lang="it-IT"/>
           </a:p>
@@ -1403,7 +1408,7 @@
           <a:p>
             <a:fld id="{6067AC06-2588-43C0-AC5E-2EAA0874515B}" type="datetimeFigureOut">
               <a:rPr lang="it-IT" smtClean="0"/>
-              <a:t>26/05/2021</a:t>
+              <a:t>01/06/2021</a:t>
             </a:fld>
             <a:endParaRPr lang="it-IT"/>
           </a:p>
@@ -1815,7 +1820,7 @@
           <a:p>
             <a:fld id="{6067AC06-2588-43C0-AC5E-2EAA0874515B}" type="datetimeFigureOut">
               <a:rPr lang="it-IT" smtClean="0"/>
-              <a:t>26/05/2021</a:t>
+              <a:t>01/06/2021</a:t>
             </a:fld>
             <a:endParaRPr lang="it-IT"/>
           </a:p>
@@ -1956,7 +1961,7 @@
           <a:p>
             <a:fld id="{6067AC06-2588-43C0-AC5E-2EAA0874515B}" type="datetimeFigureOut">
               <a:rPr lang="it-IT" smtClean="0"/>
-              <a:t>26/05/2021</a:t>
+              <a:t>01/06/2021</a:t>
             </a:fld>
             <a:endParaRPr lang="it-IT"/>
           </a:p>
@@ -2069,7 +2074,7 @@
           <a:p>
             <a:fld id="{6067AC06-2588-43C0-AC5E-2EAA0874515B}" type="datetimeFigureOut">
               <a:rPr lang="it-IT" smtClean="0"/>
-              <a:t>26/05/2021</a:t>
+              <a:t>01/06/2021</a:t>
             </a:fld>
             <a:endParaRPr lang="it-IT"/>
           </a:p>
@@ -2380,7 +2385,7 @@
           <a:p>
             <a:fld id="{6067AC06-2588-43C0-AC5E-2EAA0874515B}" type="datetimeFigureOut">
               <a:rPr lang="it-IT" smtClean="0"/>
-              <a:t>26/05/2021</a:t>
+              <a:t>01/06/2021</a:t>
             </a:fld>
             <a:endParaRPr lang="it-IT"/>
           </a:p>
@@ -2668,7 +2673,7 @@
           <a:p>
             <a:fld id="{6067AC06-2588-43C0-AC5E-2EAA0874515B}" type="datetimeFigureOut">
               <a:rPr lang="it-IT" smtClean="0"/>
-              <a:t>26/05/2021</a:t>
+              <a:t>01/06/2021</a:t>
             </a:fld>
             <a:endParaRPr lang="it-IT"/>
           </a:p>
@@ -2909,7 +2914,7 @@
           <a:p>
             <a:fld id="{6067AC06-2588-43C0-AC5E-2EAA0874515B}" type="datetimeFigureOut">
               <a:rPr lang="it-IT" smtClean="0"/>
-              <a:t>26/05/2021</a:t>
+              <a:t>01/06/2021</a:t>
             </a:fld>
             <a:endParaRPr lang="it-IT"/>
           </a:p>
@@ -4368,7 +4373,7 @@
         </p:spPr>
         <p:txBody>
           <a:bodyPr>
-            <a:normAutofit lnSpcReduction="10000"/>
+            <a:normAutofit fontScale="92500" lnSpcReduction="10000"/>
           </a:bodyPr>
           <a:lstStyle/>
           <a:p>
@@ -4377,7 +4382,7 @@
             </a:pPr>
             <a:r>
               <a:rPr lang="it-IT" dirty="0"/>
-              <a:t>Permette ad un utente di inserire delle domande relative ad un talk.</a:t>
+              <a:t>Permette ad un utente di inserire delle domande relative ad un talk (sulla destra il formato del body della chiamata POST).</a:t>
             </a:r>
           </a:p>
           <a:p>
@@ -4567,7 +4572,13 @@
           <a:lstStyle/>
           <a:p>
             <a:r>
-              <a:rPr lang="it-IT" dirty="0"/>
+              <a:rPr lang="it-IT" b="1" dirty="0">
+                <a:solidFill>
+                  <a:srgbClr val="FF0000"/>
+                </a:solidFill>
+                <a:latin typeface="Helvetica" panose="020B0604020202020204" pitchFamily="34" charset="0"/>
+                <a:cs typeface="Helvetica" panose="020B0604020202020204" pitchFamily="34" charset="0"/>
+              </a:rPr>
               <a:t>Criticità e evoluzioni</a:t>
             </a:r>
           </a:p>
@@ -4623,13 +4634,8 @@
           <a:p>
             <a:r>
               <a:rPr lang="it-IT" dirty="0"/>
-              <a:t>A questo stadio dello sviluppo le domande vengono aggiunte dagli utenti, ma in futuro si potranno integrare dei tool per la generazione automatica in base ai testi e alle vecchie domande </a:t>
-            </a:r>
-            <a:r>
-              <a:rPr lang="it-IT"/>
-              <a:t>degli utenti.</a:t>
-            </a:r>
-            <a:endParaRPr lang="it-IT" dirty="0"/>
+              <a:t>A questo stadio dello sviluppo le domande vengono aggiunte dagli utenti, ma in futuro si potranno integrare dei tool per la generazione automatica in base ai testi e alle vecchie domande degli utenti.</a:t>
+            </a:r>
           </a:p>
         </p:txBody>
       </p:sp>
@@ -4712,10 +4718,10 @@
       </p:grpSpPr>
       <p:sp>
         <p:nvSpPr>
-          <p:cNvPr id="2" name="Title 1">
-            <a:extLst>
-              <a:ext uri="{FF2B5EF4-FFF2-40B4-BE49-F238E27FC236}">
-                <a16:creationId xmlns:a16="http://schemas.microsoft.com/office/drawing/2014/main" id="{009AC59C-C5B7-4D56-A531-850720F8351F}"/>
+          <p:cNvPr id="2" name="Titolo 1">
+            <a:extLst>
+              <a:ext uri="{FF2B5EF4-FFF2-40B4-BE49-F238E27FC236}">
+                <a16:creationId xmlns:a16="http://schemas.microsoft.com/office/drawing/2014/main" id="{DEB3ED76-1AEB-4517-BD15-2F35D6DF2E1A}"/>
               </a:ext>
             </a:extLst>
           </p:cNvPr>
@@ -4732,31 +4738,24 @@
           <a:lstStyle/>
           <a:p>
             <a:r>
-              <a:rPr lang="en-US" b="1" dirty="0" err="1">
+              <a:rPr lang="it-IT" b="1" dirty="0">
                 <a:solidFill>
                   <a:srgbClr val="FF0000"/>
                 </a:solidFill>
                 <a:latin typeface="Helvetica" panose="020B0604020202020204" pitchFamily="34" charset="0"/>
                 <a:cs typeface="Helvetica" panose="020B0604020202020204" pitchFamily="34" charset="0"/>
               </a:rPr>
-              <a:t>Riferimenti</a:t>
-            </a:r>
-            <a:endParaRPr lang="en-US" b="1" dirty="0">
-              <a:solidFill>
-                <a:srgbClr val="FF0000"/>
-              </a:solidFill>
-              <a:latin typeface="Helvetica" panose="020B0604020202020204" pitchFamily="34" charset="0"/>
-              <a:cs typeface="Helvetica" panose="020B0604020202020204" pitchFamily="34" charset="0"/>
-            </a:endParaRPr>
-          </a:p>
-        </p:txBody>
-      </p:sp>
-      <p:sp>
-        <p:nvSpPr>
-          <p:cNvPr id="3" name="Content Placeholder 2">
-            <a:extLst>
-              <a:ext uri="{FF2B5EF4-FFF2-40B4-BE49-F238E27FC236}">
-                <a16:creationId xmlns:a16="http://schemas.microsoft.com/office/drawing/2014/main" id="{CD0CBC22-284C-4482-B571-D791291A4227}"/>
+              <a:t>Criticità e evoluzioni</a:t>
+            </a:r>
+          </a:p>
+        </p:txBody>
+      </p:sp>
+      <p:sp>
+        <p:nvSpPr>
+          <p:cNvPr id="3" name="Segnaposto contenuto 2">
+            <a:extLst>
+              <a:ext uri="{FF2B5EF4-FFF2-40B4-BE49-F238E27FC236}">
+                <a16:creationId xmlns:a16="http://schemas.microsoft.com/office/drawing/2014/main" id="{E28C4AC1-EB23-4C65-9D71-073326320BE5}"/>
               </a:ext>
             </a:extLst>
           </p:cNvPr>
@@ -4769,8 +4768,8 @@
         </p:nvSpPr>
         <p:spPr>
           <a:xfrm>
-            <a:off x="838200" y="1825625"/>
-            <a:ext cx="10515600" cy="4206207"/>
+            <a:off x="838199" y="1825625"/>
+            <a:ext cx="10515600" cy="4351338"/>
           </a:xfrm>
         </p:spPr>
         <p:txBody>
@@ -4780,83 +4779,34 @@
           <a:lstStyle/>
           <a:p>
             <a:r>
-              <a:rPr lang="en-US" sz="2200" dirty="0">
-                <a:latin typeface="Helvetica" panose="020B0604020202020204" pitchFamily="34" charset="0"/>
-                <a:cs typeface="Helvetica" panose="020B0604020202020204" pitchFamily="34" charset="0"/>
-              </a:rPr>
-              <a:t>Get watch next: pyspark_job_tedx_population.py</a:t>
-            </a:r>
-            <a:endParaRPr lang="it-IT" sz="2200" dirty="0"/>
-          </a:p>
-          <a:p>
-            <a:r>
-              <a:rPr lang="it-IT" sz="2200" dirty="0">
-                <a:latin typeface="Helvetica" panose="020B0604020202020204" pitchFamily="34" charset="0"/>
-                <a:cs typeface="Helvetica" panose="020B0604020202020204" pitchFamily="34" charset="0"/>
-              </a:rPr>
-              <a:t>Post talk </a:t>
-            </a:r>
-            <a:r>
-              <a:rPr lang="it-IT" sz="2200" dirty="0" err="1">
-                <a:latin typeface="Helvetica" panose="020B0604020202020204" pitchFamily="34" charset="0"/>
-                <a:cs typeface="Helvetica" panose="020B0604020202020204" pitchFamily="34" charset="0"/>
-              </a:rPr>
-              <a:t>questions</a:t>
-            </a:r>
-            <a:r>
-              <a:rPr lang="it-IT" sz="2200" dirty="0">
-                <a:latin typeface="Helvetica" panose="020B0604020202020204" pitchFamily="34" charset="0"/>
-                <a:cs typeface="Helvetica" panose="020B0604020202020204" pitchFamily="34" charset="0"/>
-              </a:rPr>
-              <a:t>: TED_Talk.csv</a:t>
-            </a:r>
-            <a:endParaRPr lang="en-US" sz="2200" dirty="0">
-              <a:latin typeface="Helvetica" panose="020B0604020202020204" pitchFamily="34" charset="0"/>
-              <a:cs typeface="Helvetica" panose="020B0604020202020204" pitchFamily="34" charset="0"/>
-            </a:endParaRPr>
-          </a:p>
-        </p:txBody>
-      </p:sp>
-      <p:pic>
-        <p:nvPicPr>
-          <p:cNvPr id="4" name="Picture 3">
-            <a:extLst>
-              <a:ext uri="{FF2B5EF4-FFF2-40B4-BE49-F238E27FC236}">
-                <a16:creationId xmlns:a16="http://schemas.microsoft.com/office/drawing/2014/main" id="{A210BF1A-7569-4154-BD70-7A76073924EF}"/>
-              </a:ext>
-            </a:extLst>
-          </p:cNvPr>
-          <p:cNvPicPr>
-            <a:picLocks noChangeAspect="1"/>
-          </p:cNvPicPr>
-          <p:nvPr/>
-        </p:nvPicPr>
-        <p:blipFill>
-          <a:blip r:embed="rId2">
-            <a:extLst>
-              <a:ext uri="{28A0092B-C50C-407E-A947-70E740481C1C}">
-                <a14:useLocalDpi xmlns:a14="http://schemas.microsoft.com/office/drawing/2010/main" val="0"/>
-              </a:ext>
-            </a:extLst>
-          </a:blip>
-          <a:stretch>
-            <a:fillRect/>
-          </a:stretch>
-        </p:blipFill>
-        <p:spPr>
-          <a:xfrm>
-            <a:off x="10675011" y="5720258"/>
-            <a:ext cx="1516989" cy="1137742"/>
-          </a:xfrm>
-          <a:prstGeom prst="rect">
-            <a:avLst/>
-          </a:prstGeom>
-        </p:spPr>
-      </p:pic>
+              <a:rPr lang="it-IT" dirty="0"/>
+              <a:t>Prima evoluzione del sistema è la creazione della parte relativa agli utenti (video preferiti, clan, risposte, …)</a:t>
+            </a:r>
+          </a:p>
+          <a:p>
+            <a:r>
+              <a:rPr lang="it-IT" dirty="0"/>
+              <a:t>Essendo il sistema in uno stato embrionale non è presente alcuna autenticazione e per ora le api sono aperte. Andrebbe integrato un sistema di autenticazione su più ruoli.</a:t>
+            </a:r>
+          </a:p>
+          <a:p>
+            <a:r>
+              <a:rPr lang="it-IT" dirty="0"/>
+              <a:t>Futuro sviluppo riguarda un sistema di log per e segnalazione per notificare eventuali problemi al sistema.</a:t>
+            </a:r>
+          </a:p>
+          <a:p>
+            <a:r>
+              <a:rPr lang="it-IT" dirty="0"/>
+              <a:t>Per come sono realizzate ora le api, l’utente può inserire una qualsiasi domanda relativa a un video, senza alcuna garanzia che questa sia corretta e che non contenga determinate parole inopportune.</a:t>
+            </a:r>
+          </a:p>
+        </p:txBody>
+      </p:sp>
     </p:spTree>
     <p:extLst>
       <p:ext uri="{BB962C8B-B14F-4D97-AF65-F5344CB8AC3E}">
-        <p14:creationId xmlns:p14="http://schemas.microsoft.com/office/powerpoint/2010/main" val="2725284511"/>
+        <p14:creationId xmlns:p14="http://schemas.microsoft.com/office/powerpoint/2010/main" val="2139091102"/>
       </p:ext>
     </p:extLst>
   </p:cSld>
